--- a/Lecture Notes-Slides/Lecture10.pptx
+++ b/Lecture Notes-Slides/Lecture10.pptx
@@ -10,16 +10,17 @@
     <p:sldId id="257" r:id="rId4"/>
     <p:sldId id="258" r:id="rId5"/>
     <p:sldId id="261" r:id="rId6"/>
-    <p:sldId id="260" r:id="rId7"/>
-    <p:sldId id="259" r:id="rId8"/>
-    <p:sldId id="262" r:id="rId9"/>
-    <p:sldId id="263" r:id="rId10"/>
-    <p:sldId id="264" r:id="rId11"/>
-    <p:sldId id="265" r:id="rId12"/>
-    <p:sldId id="266" r:id="rId13"/>
-    <p:sldId id="267" r:id="rId14"/>
-    <p:sldId id="268" r:id="rId15"/>
-    <p:sldId id="270" r:id="rId16"/>
+    <p:sldId id="271" r:id="rId7"/>
+    <p:sldId id="260" r:id="rId8"/>
+    <p:sldId id="259" r:id="rId9"/>
+    <p:sldId id="262" r:id="rId10"/>
+    <p:sldId id="263" r:id="rId11"/>
+    <p:sldId id="264" r:id="rId12"/>
+    <p:sldId id="265" r:id="rId13"/>
+    <p:sldId id="266" r:id="rId14"/>
+    <p:sldId id="267" r:id="rId15"/>
+    <p:sldId id="268" r:id="rId16"/>
+    <p:sldId id="270" r:id="rId17"/>
   </p:sldIdLst>
   <p:sldSz cx="9144000" cy="6858000" type="screen4x3"/>
   <p:notesSz cx="7010400" cy="9296400"/>
@@ -316,7 +317,7 @@
             <a:fld id="{04AF466F-BDA4-4F18-9C7B-FF0A9A1B0E80}" type="datetime1">
               <a:rPr lang="en-US" smtClean="0"/>
               <a:pPr/>
-              <a:t>2/27/16</a:t>
+              <a:t>3/2/16</a:t>
             </a:fld>
             <a:endParaRPr lang="en-US"/>
           </a:p>
@@ -483,7 +484,7 @@
             <a:fld id="{58FB4290-6522-4139-852E-05BD9E7F0D2E}" type="datetime1">
               <a:rPr lang="en-US" smtClean="0"/>
               <a:pPr/>
-              <a:t>2/27/16</a:t>
+              <a:t>3/2/16</a:t>
             </a:fld>
             <a:endParaRPr lang="en-US"/>
           </a:p>
@@ -660,7 +661,7 @@
             <a:fld id="{AAB955F9-81EA-47C5-8059-9E5C2B437C70}" type="datetime1">
               <a:rPr lang="en-US" smtClean="0"/>
               <a:pPr/>
-              <a:t>2/27/16</a:t>
+              <a:t>3/2/16</a:t>
             </a:fld>
             <a:endParaRPr lang="en-US"/>
           </a:p>
@@ -827,7 +828,7 @@
             <a:fld id="{1CEF607B-A47E-422C-9BEF-122CCDB7C526}" type="datetime1">
               <a:rPr lang="en-US" smtClean="0"/>
               <a:pPr/>
-              <a:t>2/27/16</a:t>
+              <a:t>3/2/16</a:t>
             </a:fld>
             <a:endParaRPr lang="en-US"/>
           </a:p>
@@ -1070,7 +1071,7 @@
             <a:fld id="{63A9A7CB-BEE6-4F99-898E-913F06E8E125}" type="datetime1">
               <a:rPr lang="en-US" smtClean="0"/>
               <a:pPr/>
-              <a:t>2/27/16</a:t>
+              <a:t>3/2/16</a:t>
             </a:fld>
             <a:endParaRPr lang="en-US"/>
           </a:p>
@@ -1355,7 +1356,7 @@
             <a:fld id="{B6EE300C-6FC5-4FC3-AF1A-075E4F50620D}" type="datetime1">
               <a:rPr lang="en-US" smtClean="0"/>
               <a:pPr/>
-              <a:t>2/27/16</a:t>
+              <a:t>3/2/16</a:t>
             </a:fld>
             <a:endParaRPr lang="en-US"/>
           </a:p>
@@ -1786,7 +1787,7 @@
             <a:fld id="{F50D295D-4A77-4DEB-B04C-9F4282A8BC04}" type="datetime1">
               <a:rPr lang="en-US" smtClean="0"/>
               <a:pPr/>
-              <a:t>2/27/16</a:t>
+              <a:t>3/2/16</a:t>
             </a:fld>
             <a:endParaRPr lang="en-US"/>
           </a:p>
@@ -1901,7 +1902,7 @@
             <a:fld id="{02B28685-4D0C-42D5-8013-B5904CD1FCBC}" type="datetime1">
               <a:rPr lang="en-US" smtClean="0"/>
               <a:pPr/>
-              <a:t>2/27/16</a:t>
+              <a:t>3/2/16</a:t>
             </a:fld>
             <a:endParaRPr lang="en-US"/>
           </a:p>
@@ -1993,7 +1994,7 @@
             <a:fld id="{FDF226C0-9885-4BA9-BBFA-A52CBFEBB775}" type="datetime1">
               <a:rPr lang="en-US" smtClean="0"/>
               <a:pPr/>
-              <a:t>2/27/16</a:t>
+              <a:t>3/2/16</a:t>
             </a:fld>
             <a:endParaRPr lang="en-US"/>
           </a:p>
@@ -2184,7 +2185,7 @@
             <a:fld id="{EBEE1B38-C5EB-4D66-9137-0AFE9CDEDE8F}" type="datetime1">
               <a:rPr lang="en-US" smtClean="0"/>
               <a:pPr/>
-              <a:t>2/27/16</a:t>
+              <a:t>3/2/16</a:t>
             </a:fld>
             <a:endParaRPr lang="en-US"/>
           </a:p>
@@ -2504,7 +2505,7 @@
             <a:fld id="{327B613C-1AD7-49D3-885D-F654C5CDBAA6}" type="datetime1">
               <a:rPr lang="en-US" smtClean="0"/>
               <a:pPr/>
-              <a:t>2/27/16</a:t>
+              <a:t>3/2/16</a:t>
             </a:fld>
             <a:endParaRPr lang="en-US" dirty="0"/>
           </a:p>
@@ -2886,7 +2887,7 @@
             <a:fld id="{327B613C-1AD7-49D3-885D-F654C5CDBAA6}" type="datetime1">
               <a:rPr lang="en-US" smtClean="0"/>
               <a:pPr/>
-              <a:t>2/27/16</a:t>
+              <a:t>3/2/16</a:t>
             </a:fld>
             <a:endParaRPr lang="en-US" dirty="0"/>
           </a:p>
@@ -3278,10 +3279,102 @@
   <p:clrMapOvr>
     <a:masterClrMapping/>
   </p:clrMapOvr>
+  <p:timing>
+    <p:tnLst>
+      <p:par>
+        <p:cTn xmlns:p14="http://schemas.microsoft.com/office/powerpoint/2010/main" id="1" dur="indefinite" restart="never" nodeType="tmRoot"/>
+      </p:par>
+    </p:tnLst>
+  </p:timing>
 </p:sld>
 </file>
 
 <file path=ppt/slides/slide10.xml><?xml version="1.0" encoding="utf-8"?>
+<p:sld xmlns:a="http://schemas.openxmlformats.org/drawingml/2006/main" xmlns:r="http://schemas.openxmlformats.org/officeDocument/2006/relationships" xmlns:p="http://schemas.openxmlformats.org/presentationml/2006/main">
+  <p:cSld>
+    <p:spTree>
+      <p:nvGrpSpPr>
+        <p:cNvPr id="1" name=""/>
+        <p:cNvGrpSpPr/>
+        <p:nvPr/>
+      </p:nvGrpSpPr>
+      <p:grpSpPr>
+        <a:xfrm>
+          <a:off x="0" y="0"/>
+          <a:ext cx="0" cy="0"/>
+          <a:chOff x="0" y="0"/>
+          <a:chExt cx="0" cy="0"/>
+        </a:xfrm>
+      </p:grpSpPr>
+      <p:sp>
+        <p:nvSpPr>
+          <p:cNvPr id="2" name="Title 1"/>
+          <p:cNvSpPr>
+            <a:spLocks noGrp="1"/>
+          </p:cNvSpPr>
+          <p:nvPr>
+            <p:ph type="title"/>
+          </p:nvPr>
+        </p:nvSpPr>
+        <p:spPr/>
+        <p:txBody>
+          <a:bodyPr/>
+          <a:lstStyle/>
+          <a:p>
+            <a:r>
+              <a:rPr lang="en-US" dirty="0" smtClean="0"/>
+              <a:t>Changing Threshold</a:t>
+            </a:r>
+            <a:endParaRPr lang="en-US" dirty="0"/>
+          </a:p>
+        </p:txBody>
+      </p:sp>
+      <p:pic>
+        <p:nvPicPr>
+          <p:cNvPr id="4" name="Content Placeholder 3" descr="Screen Shot 2016-02-27 at 8.28.44 PM.png"/>
+          <p:cNvPicPr>
+            <a:picLocks noGrp="1" noChangeAspect="1"/>
+          </p:cNvPicPr>
+          <p:nvPr>
+            <p:ph idx="1"/>
+          </p:nvPr>
+        </p:nvPicPr>
+        <p:blipFill>
+          <a:blip r:embed="rId2">
+            <a:extLst>
+              <a:ext uri="{28A0092B-C50C-407E-A947-70E740481C1C}">
+                <a14:useLocalDpi xmlns:a14="http://schemas.microsoft.com/office/drawing/2010/main" val="0"/>
+              </a:ext>
+            </a:extLst>
+          </a:blip>
+          <a:srcRect t="-58117" b="-58117"/>
+          <a:stretch>
+            <a:fillRect/>
+          </a:stretch>
+        </p:blipFill>
+        <p:spPr/>
+      </p:pic>
+    </p:spTree>
+    <p:extLst>
+      <p:ext uri="{BB962C8B-B14F-4D97-AF65-F5344CB8AC3E}">
+        <p14:creationId xmlns:p14="http://schemas.microsoft.com/office/powerpoint/2010/main" val="2367648205"/>
+      </p:ext>
+    </p:extLst>
+  </p:cSld>
+  <p:clrMapOvr>
+    <a:masterClrMapping/>
+  </p:clrMapOvr>
+  <p:timing>
+    <p:tnLst>
+      <p:par>
+        <p:cTn xmlns:p14="http://schemas.microsoft.com/office/powerpoint/2010/main" id="1" dur="indefinite" restart="never" nodeType="tmRoot"/>
+      </p:par>
+    </p:tnLst>
+  </p:timing>
+</p:sld>
+</file>
+
+<file path=ppt/slides/slide11.xml><?xml version="1.0" encoding="utf-8"?>
 <p:sld xmlns:a="http://schemas.openxmlformats.org/drawingml/2006/main" xmlns:r="http://schemas.openxmlformats.org/officeDocument/2006/relationships" xmlns:p="http://schemas.openxmlformats.org/presentationml/2006/main">
   <p:cSld>
     <p:spTree>
@@ -3434,7 +3527,7 @@
 </p:sld>
 </file>
 
-<file path=ppt/slides/slide11.xml><?xml version="1.0" encoding="utf-8"?>
+<file path=ppt/slides/slide12.xml><?xml version="1.0" encoding="utf-8"?>
 <p:sld xmlns:a="http://schemas.openxmlformats.org/drawingml/2006/main" xmlns:r="http://schemas.openxmlformats.org/officeDocument/2006/relationships" xmlns:p="http://schemas.openxmlformats.org/presentationml/2006/main">
   <p:cSld>
     <p:spTree>
@@ -3524,7 +3617,7 @@
 </p:sld>
 </file>
 
-<file path=ppt/slides/slide12.xml><?xml version="1.0" encoding="utf-8"?>
+<file path=ppt/slides/slide13.xml><?xml version="1.0" encoding="utf-8"?>
 <p:sld xmlns:a="http://schemas.openxmlformats.org/drawingml/2006/main" xmlns:r="http://schemas.openxmlformats.org/officeDocument/2006/relationships" xmlns:p="http://schemas.openxmlformats.org/presentationml/2006/main">
   <p:cSld>
     <p:spTree>
@@ -3622,7 +3715,7 @@
 </p:sld>
 </file>
 
-<file path=ppt/slides/slide13.xml><?xml version="1.0" encoding="utf-8"?>
+<file path=ppt/slides/slide14.xml><?xml version="1.0" encoding="utf-8"?>
 <p:sld xmlns:a="http://schemas.openxmlformats.org/drawingml/2006/main" xmlns:r="http://schemas.openxmlformats.org/officeDocument/2006/relationships" xmlns:p="http://schemas.openxmlformats.org/presentationml/2006/main">
   <p:cSld>
     <p:spTree>
@@ -3910,7 +4003,7 @@
 </p:sld>
 </file>
 
-<file path=ppt/slides/slide14.xml><?xml version="1.0" encoding="utf-8"?>
+<file path=ppt/slides/slide15.xml><?xml version="1.0" encoding="utf-8"?>
 <p:sld xmlns:a="http://schemas.openxmlformats.org/drawingml/2006/main" xmlns:r="http://schemas.openxmlformats.org/officeDocument/2006/relationships" xmlns:p="http://schemas.openxmlformats.org/presentationml/2006/main">
   <p:cSld>
     <p:spTree>
@@ -3989,7 +4082,7 @@
 </p:sld>
 </file>
 
-<file path=ppt/slides/slide15.xml><?xml version="1.0" encoding="utf-8"?>
+<file path=ppt/slides/slide16.xml><?xml version="1.0" encoding="utf-8"?>
 <p:sld xmlns:a="http://schemas.openxmlformats.org/drawingml/2006/main" xmlns:r="http://schemas.openxmlformats.org/officeDocument/2006/relationships" xmlns:p="http://schemas.openxmlformats.org/presentationml/2006/main">
   <p:cSld>
     <p:spTree>
@@ -5585,6 +5678,80 @@
           <a:bodyPr/>
           <a:lstStyle/>
           <a:p>
+            <a:endParaRPr lang="en-US"/>
+          </a:p>
+        </p:txBody>
+      </p:sp>
+      <p:pic>
+        <p:nvPicPr>
+          <p:cNvPr id="4" name="Content Placeholder 3" descr="Screen Shot 2016-03-02 at 5.14.47 PM.png"/>
+          <p:cNvPicPr>
+            <a:picLocks noGrp="1" noChangeAspect="1"/>
+          </p:cNvPicPr>
+          <p:nvPr>
+            <p:ph idx="1"/>
+          </p:nvPr>
+        </p:nvPicPr>
+        <p:blipFill>
+          <a:blip r:embed="rId2">
+            <a:extLst>
+              <a:ext uri="{28A0092B-C50C-407E-A947-70E740481C1C}">
+                <a14:useLocalDpi xmlns:a14="http://schemas.microsoft.com/office/drawing/2010/main" val="0"/>
+              </a:ext>
+            </a:extLst>
+          </a:blip>
+          <a:srcRect t="-19395" b="-19395"/>
+          <a:stretch>
+            <a:fillRect/>
+          </a:stretch>
+        </p:blipFill>
+        <p:spPr/>
+      </p:pic>
+    </p:spTree>
+    <p:extLst>
+      <p:ext uri="{BB962C8B-B14F-4D97-AF65-F5344CB8AC3E}">
+        <p14:creationId xmlns:p14="http://schemas.microsoft.com/office/powerpoint/2010/main" val="2060695140"/>
+      </p:ext>
+    </p:extLst>
+  </p:cSld>
+  <p:clrMapOvr>
+    <a:masterClrMapping/>
+  </p:clrMapOvr>
+</p:sld>
+</file>
+
+<file path=ppt/slides/slide7.xml><?xml version="1.0" encoding="utf-8"?>
+<p:sld xmlns:a="http://schemas.openxmlformats.org/drawingml/2006/main" xmlns:r="http://schemas.openxmlformats.org/officeDocument/2006/relationships" xmlns:p="http://schemas.openxmlformats.org/presentationml/2006/main">
+  <p:cSld>
+    <p:spTree>
+      <p:nvGrpSpPr>
+        <p:cNvPr id="1" name=""/>
+        <p:cNvGrpSpPr/>
+        <p:nvPr/>
+      </p:nvGrpSpPr>
+      <p:grpSpPr>
+        <a:xfrm>
+          <a:off x="0" y="0"/>
+          <a:ext cx="0" cy="0"/>
+          <a:chOff x="0" y="0"/>
+          <a:chExt cx="0" cy="0"/>
+        </a:xfrm>
+      </p:grpSpPr>
+      <p:sp>
+        <p:nvSpPr>
+          <p:cNvPr id="2" name="Title 1"/>
+          <p:cNvSpPr>
+            <a:spLocks noGrp="1"/>
+          </p:cNvSpPr>
+          <p:nvPr>
+            <p:ph type="title"/>
+          </p:nvPr>
+        </p:nvSpPr>
+        <p:spPr/>
+        <p:txBody>
+          <a:bodyPr/>
+          <a:lstStyle/>
+          <a:p>
             <a:r>
               <a:rPr lang="en-US" dirty="0" smtClean="0"/>
               <a:t>Recall or Sensitivity</a:t>
@@ -5742,7 +5909,7 @@
 </p:sld>
 </file>
 
-<file path=ppt/slides/slide7.xml><?xml version="1.0" encoding="utf-8"?>
+<file path=ppt/slides/slide8.xml><?xml version="1.0" encoding="utf-8"?>
 <p:sld xmlns:a="http://schemas.openxmlformats.org/drawingml/2006/main" xmlns:r="http://schemas.openxmlformats.org/officeDocument/2006/relationships" xmlns:p="http://schemas.openxmlformats.org/presentationml/2006/main">
   <p:cSld>
     <p:spTree>
@@ -5980,7 +6147,7 @@
 </p:sld>
 </file>
 
-<file path=ppt/slides/slide8.xml><?xml version="1.0" encoding="utf-8"?>
+<file path=ppt/slides/slide9.xml><?xml version="1.0" encoding="utf-8"?>
 <p:sld xmlns:a="http://schemas.openxmlformats.org/drawingml/2006/main" xmlns:r="http://schemas.openxmlformats.org/officeDocument/2006/relationships" xmlns:p="http://schemas.openxmlformats.org/presentationml/2006/main">
   <p:cSld>
     <p:spTree>
@@ -6198,91 +6365,6 @@
             </p:seq>
           </p:childTnLst>
         </p:cTn>
-      </p:par>
-    </p:tnLst>
-  </p:timing>
-</p:sld>
-</file>
-
-<file path=ppt/slides/slide9.xml><?xml version="1.0" encoding="utf-8"?>
-<p:sld xmlns:a="http://schemas.openxmlformats.org/drawingml/2006/main" xmlns:r="http://schemas.openxmlformats.org/officeDocument/2006/relationships" xmlns:p="http://schemas.openxmlformats.org/presentationml/2006/main">
-  <p:cSld>
-    <p:spTree>
-      <p:nvGrpSpPr>
-        <p:cNvPr id="1" name=""/>
-        <p:cNvGrpSpPr/>
-        <p:nvPr/>
-      </p:nvGrpSpPr>
-      <p:grpSpPr>
-        <a:xfrm>
-          <a:off x="0" y="0"/>
-          <a:ext cx="0" cy="0"/>
-          <a:chOff x="0" y="0"/>
-          <a:chExt cx="0" cy="0"/>
-        </a:xfrm>
-      </p:grpSpPr>
-      <p:sp>
-        <p:nvSpPr>
-          <p:cNvPr id="2" name="Title 1"/>
-          <p:cNvSpPr>
-            <a:spLocks noGrp="1"/>
-          </p:cNvSpPr>
-          <p:nvPr>
-            <p:ph type="title"/>
-          </p:nvPr>
-        </p:nvSpPr>
-        <p:spPr/>
-        <p:txBody>
-          <a:bodyPr/>
-          <a:lstStyle/>
-          <a:p>
-            <a:r>
-              <a:rPr lang="en-US" dirty="0" smtClean="0"/>
-              <a:t>Changing Threshold</a:t>
-            </a:r>
-            <a:endParaRPr lang="en-US" dirty="0"/>
-          </a:p>
-        </p:txBody>
-      </p:sp>
-      <p:pic>
-        <p:nvPicPr>
-          <p:cNvPr id="4" name="Content Placeholder 3" descr="Screen Shot 2016-02-27 at 8.28.44 PM.png"/>
-          <p:cNvPicPr>
-            <a:picLocks noGrp="1" noChangeAspect="1"/>
-          </p:cNvPicPr>
-          <p:nvPr>
-            <p:ph idx="1"/>
-          </p:nvPr>
-        </p:nvPicPr>
-        <p:blipFill>
-          <a:blip r:embed="rId2">
-            <a:extLst>
-              <a:ext uri="{28A0092B-C50C-407E-A947-70E740481C1C}">
-                <a14:useLocalDpi xmlns:a14="http://schemas.microsoft.com/office/drawing/2010/main" val="0"/>
-              </a:ext>
-            </a:extLst>
-          </a:blip>
-          <a:srcRect t="-58117" b="-58117"/>
-          <a:stretch>
-            <a:fillRect/>
-          </a:stretch>
-        </p:blipFill>
-        <p:spPr/>
-      </p:pic>
-    </p:spTree>
-    <p:extLst>
-      <p:ext uri="{BB962C8B-B14F-4D97-AF65-F5344CB8AC3E}">
-        <p14:creationId xmlns:p14="http://schemas.microsoft.com/office/powerpoint/2010/main" val="2367648205"/>
-      </p:ext>
-    </p:extLst>
-  </p:cSld>
-  <p:clrMapOvr>
-    <a:masterClrMapping/>
-  </p:clrMapOvr>
-  <p:timing>
-    <p:tnLst>
-      <p:par>
-        <p:cTn xmlns:p14="http://schemas.microsoft.com/office/powerpoint/2010/main" id="1" dur="indefinite" restart="never" nodeType="tmRoot"/>
       </p:par>
     </p:tnLst>
   </p:timing>
